--- a/ppt_mxic/MXIC_20260126.pptx
+++ b/ppt_mxic/MXIC_20260126.pptx
@@ -232,7 +232,7 @@
           <a:p>
             <a:fld id="{FE9F37E1-976C-4D68-AAA1-E18BCAC423B3}" type="datetimeFigureOut">
               <a:rPr lang="zh-TW" altLang="en-US" smtClean="0"/>
-              <a:t>2026/1/25</a:t>
+              <a:t>2026/1/27</a:t>
             </a:fld>
             <a:endParaRPr lang="zh-TW" altLang="en-US"/>
           </a:p>
@@ -397,7 +397,7 @@
           <a:p>
             <a:fld id="{6F765A04-DEC0-490E-BE54-AD23B90E8F9F}" type="datetimeFigureOut">
               <a:rPr lang="zh-TW" altLang="en-US" smtClean="0"/>
-              <a:t>2026/1/25</a:t>
+              <a:t>2026/1/27</a:t>
             </a:fld>
             <a:endParaRPr lang="zh-TW" altLang="en-US"/>
           </a:p>
@@ -713,7 +713,7 @@
           </a:ln>
           <a:extLst>
             <a:ext uri="{91240B29-F687-4f45-9708-019B960494DF}">
-              <a14:hiddenLine xmlns="" xmlns:a14="http://schemas.microsoft.com/office/drawing/2010/main" w="9525">
+              <a14:hiddenLine xmlns:a14="http://schemas.microsoft.com/office/drawing/2010/main" xmlns="" w="9525">
                 <a:solidFill>
                   <a:srgbClr val="000000"/>
                 </a:solidFill>
@@ -767,14 +767,14 @@
           </a:ln>
           <a:extLst>
             <a:ext uri="{909E8E84-426E-40dd-AFC4-6F175D3DCCD1}">
-              <a14:hiddenFill xmlns="" xmlns:a14="http://schemas.microsoft.com/office/drawing/2010/main">
+              <a14:hiddenFill xmlns:a14="http://schemas.microsoft.com/office/drawing/2010/main" xmlns="">
                 <a:solidFill>
                   <a:srgbClr val="FFFFFF"/>
                 </a:solidFill>
               </a14:hiddenFill>
             </a:ext>
             <a:ext uri="{91240B29-F687-4f45-9708-019B960494DF}">
-              <a14:hiddenLine xmlns="" xmlns:a14="http://schemas.microsoft.com/office/drawing/2010/main" w="9525">
+              <a14:hiddenLine xmlns:a14="http://schemas.microsoft.com/office/drawing/2010/main" xmlns="" w="9525">
                 <a:solidFill>
                   <a:srgbClr val="000000"/>
                 </a:solidFill>
@@ -810,7 +810,7 @@
           </a:ln>
           <a:extLst>
             <a:ext uri="{91240B29-F687-4f45-9708-019B960494DF}">
-              <a14:hiddenLine xmlns="" xmlns:a14="http://schemas.microsoft.com/office/drawing/2010/main" w="9525">
+              <a14:hiddenLine xmlns:a14="http://schemas.microsoft.com/office/drawing/2010/main" xmlns="" w="9525">
                 <a:solidFill>
                   <a:srgbClr val="000000"/>
                 </a:solidFill>
@@ -1126,7 +1126,7 @@
           </a:ln>
           <a:extLst>
             <a:ext uri="{91240B29-F687-4f45-9708-019B960494DF}">
-              <a14:hiddenLine xmlns="" xmlns:a14="http://schemas.microsoft.com/office/drawing/2010/main" w="9525">
+              <a14:hiddenLine xmlns:a14="http://schemas.microsoft.com/office/drawing/2010/main" xmlns="" w="9525">
                 <a:solidFill>
                   <a:srgbClr val="000000"/>
                 </a:solidFill>
@@ -1177,7 +1177,7 @@
           </a:ln>
           <a:extLst>
             <a:ext uri="{91240B29-F687-4f45-9708-019B960494DF}">
-              <a14:hiddenLine xmlns="" xmlns:a14="http://schemas.microsoft.com/office/drawing/2010/main" w="9525">
+              <a14:hiddenLine xmlns:a14="http://schemas.microsoft.com/office/drawing/2010/main" xmlns="" w="9525">
                 <a:solidFill>
                   <a:srgbClr val="000000"/>
                 </a:solidFill>
@@ -12407,7 +12407,7 @@
           </a:ln>
           <a:extLst>
             <a:ext uri="{91240B29-F687-4f45-9708-019B960494DF}">
-              <a14:hiddenLine xmlns="" xmlns:a14="http://schemas.microsoft.com/office/drawing/2010/main" w="9525">
+              <a14:hiddenLine xmlns:a14="http://schemas.microsoft.com/office/drawing/2010/main" xmlns="" w="9525">
                 <a:solidFill>
                   <a:srgbClr val="000000"/>
                 </a:solidFill>
@@ -12736,14 +12736,14 @@
           </a:ln>
           <a:extLst>
             <a:ext uri="{909E8E84-426E-40dd-AFC4-6F175D3DCCD1}">
-              <a14:hiddenFill xmlns="" xmlns:a14="http://schemas.microsoft.com/office/drawing/2010/main">
+              <a14:hiddenFill xmlns:a14="http://schemas.microsoft.com/office/drawing/2010/main" xmlns="">
                 <a:solidFill>
                   <a:srgbClr val="FFFFFF"/>
                 </a:solidFill>
               </a14:hiddenFill>
             </a:ext>
             <a:ext uri="{91240B29-F687-4f45-9708-019B960494DF}">
-              <a14:hiddenLine xmlns="" xmlns:a14="http://schemas.microsoft.com/office/drawing/2010/main" w="9525">
+              <a14:hiddenLine xmlns:a14="http://schemas.microsoft.com/office/drawing/2010/main" xmlns="" w="9525">
                 <a:solidFill>
                   <a:srgbClr val="000000"/>
                 </a:solidFill>
@@ -12819,14 +12819,14 @@
           </a:ln>
           <a:extLst>
             <a:ext uri="{909E8E84-426E-40dd-AFC4-6F175D3DCCD1}">
-              <a14:hiddenFill xmlns="" xmlns:a14="http://schemas.microsoft.com/office/drawing/2010/main">
+              <a14:hiddenFill xmlns:a14="http://schemas.microsoft.com/office/drawing/2010/main" xmlns="">
                 <a:solidFill>
                   <a:srgbClr val="FFFFFF"/>
                 </a:solidFill>
               </a14:hiddenFill>
             </a:ext>
             <a:ext uri="{91240B29-F687-4f45-9708-019B960494DF}">
-              <a14:hiddenLine xmlns="" xmlns:a14="http://schemas.microsoft.com/office/drawing/2010/main" w="9525">
+              <a14:hiddenLine xmlns:a14="http://schemas.microsoft.com/office/drawing/2010/main" xmlns="" w="9525">
                 <a:solidFill>
                   <a:srgbClr val="000000"/>
                 </a:solidFill>
@@ -12897,14 +12897,14 @@
           </a:ln>
           <a:extLst>
             <a:ext uri="{909E8E84-426E-40dd-AFC4-6F175D3DCCD1}">
-              <a14:hiddenFill xmlns="" xmlns:a14="http://schemas.microsoft.com/office/drawing/2010/main">
+              <a14:hiddenFill xmlns:a14="http://schemas.microsoft.com/office/drawing/2010/main" xmlns="">
                 <a:solidFill>
                   <a:srgbClr val="FFFFFF"/>
                 </a:solidFill>
               </a14:hiddenFill>
             </a:ext>
             <a:ext uri="{91240B29-F687-4f45-9708-019B960494DF}">
-              <a14:hiddenLine xmlns="" xmlns:a14="http://schemas.microsoft.com/office/drawing/2010/main" w="9525">
+              <a14:hiddenLine xmlns:a14="http://schemas.microsoft.com/office/drawing/2010/main" xmlns="" w="9525">
                 <a:solidFill>
                   <a:srgbClr val="000000"/>
                 </a:solidFill>
@@ -12967,7 +12967,7 @@
           </a:ln>
           <a:extLst>
             <a:ext uri="{91240B29-F687-4f45-9708-019B960494DF}">
-              <a14:hiddenLine xmlns="" xmlns:a14="http://schemas.microsoft.com/office/drawing/2010/main" w="9525">
+              <a14:hiddenLine xmlns:a14="http://schemas.microsoft.com/office/drawing/2010/main" xmlns="" w="9525">
                 <a:solidFill>
                   <a:srgbClr val="000000"/>
                 </a:solidFill>
@@ -23355,8 +23355,8 @@
           </a:p>
         </p:txBody>
       </p:sp>
-      <mc:AlternateContent xmlns:mc="http://schemas.openxmlformats.org/markup-compatibility/2006" xmlns:a14="http://schemas.microsoft.com/office/drawing/2010/main">
-        <mc:Choice Requires="a14">
+      <mc:AlternateContent xmlns:mc="http://schemas.openxmlformats.org/markup-compatibility/2006">
+        <mc:Choice xmlns:a14="http://schemas.microsoft.com/office/drawing/2010/main" Requires="a14">
           <p:sp>
             <p:nvSpPr>
               <p:cNvPr id="3" name="內容版面配置區 2">
@@ -23392,7 +23392,7 @@
                 <a:pPr lvl="1"/>
                 <a:r>
                   <a:rPr lang="en-US" altLang="zh-TW" dirty="0"/>
-                  <a:t>k </a:t>
+                  <a:t>(1 - k) </a:t>
                 </a:r>
                 <a14:m>
                   <m:oMath xmlns:m="http://schemas.openxmlformats.org/officeDocument/2006/math">
@@ -23406,7 +23406,7 @@
                 </a14:m>
                 <a:r>
                   <a:rPr lang="en-US" altLang="zh-TW" dirty="0"/>
-                  <a:t> reconstruction loss  +  (1 - k) </a:t>
+                  <a:t> reconstruction loss  +  k </a:t>
                 </a:r>
                 <a14:m>
                   <m:oMath xmlns:m="http://schemas.openxmlformats.org/officeDocument/2006/math">
@@ -23448,7 +23448,7 @@
             </p:txBody>
           </p:sp>
         </mc:Choice>
-        <mc:Fallback xmlns="">
+        <mc:Fallback>
           <p:sp>
             <p:nvSpPr>
               <p:cNvPr id="3" name="內容版面配置區 2">
